--- a/Prezentace/3. ročník/PGM - 05 Formulářové aplikace.pptx
+++ b/Prezentace/3. ročník/PGM - 05 Formulářové aplikace.pptx
@@ -205,7 +205,7 @@
           <a:p>
             <a:fld id="{0F4CBD7E-8EC4-40D0-831C-FC6BF586B823}" type="datetimeFigureOut">
               <a:rPr lang="cs-CZ" smtClean="0"/>
-              <a:t>16.10.2022</a:t>
+              <a:t>17.10.2022</a:t>
             </a:fld>
             <a:endParaRPr lang="cs-CZ"/>
           </a:p>
@@ -744,7 +744,7 @@
           <a:p>
             <a:fld id="{CCDA23A1-6BD0-48D8-A1FE-BC95074C88FA}" type="datetimeFigureOut">
               <a:rPr lang="cs-CZ" smtClean="0"/>
-              <a:t>16.10.2022</a:t>
+              <a:t>17.10.2022</a:t>
             </a:fld>
             <a:endParaRPr lang="cs-CZ"/>
           </a:p>
@@ -1082,7 +1082,7 @@
           <a:p>
             <a:fld id="{CCDA23A1-6BD0-48D8-A1FE-BC95074C88FA}" type="datetimeFigureOut">
               <a:rPr lang="cs-CZ" smtClean="0"/>
-              <a:t>16.10.2022</a:t>
+              <a:t>17.10.2022</a:t>
             </a:fld>
             <a:endParaRPr lang="cs-CZ"/>
           </a:p>
@@ -1483,7 +1483,7 @@
           <a:p>
             <a:fld id="{CCDA23A1-6BD0-48D8-A1FE-BC95074C88FA}" type="datetimeFigureOut">
               <a:rPr lang="cs-CZ" smtClean="0"/>
-              <a:t>16.10.2022</a:t>
+              <a:t>17.10.2022</a:t>
             </a:fld>
             <a:endParaRPr lang="cs-CZ"/>
           </a:p>
@@ -1818,7 +1818,7 @@
           <a:p>
             <a:fld id="{CCDA23A1-6BD0-48D8-A1FE-BC95074C88FA}" type="datetimeFigureOut">
               <a:rPr lang="cs-CZ" smtClean="0"/>
-              <a:t>16.10.2022</a:t>
+              <a:t>17.10.2022</a:t>
             </a:fld>
             <a:endParaRPr lang="cs-CZ"/>
           </a:p>
@@ -2138,7 +2138,7 @@
           <a:p>
             <a:fld id="{CCDA23A1-6BD0-48D8-A1FE-BC95074C88FA}" type="datetimeFigureOut">
               <a:rPr lang="cs-CZ" smtClean="0"/>
-              <a:t>16.10.2022</a:t>
+              <a:t>17.10.2022</a:t>
             </a:fld>
             <a:endParaRPr lang="cs-CZ"/>
           </a:p>
@@ -2534,7 +2534,7 @@
           <a:p>
             <a:fld id="{CCDA23A1-6BD0-48D8-A1FE-BC95074C88FA}" type="datetimeFigureOut">
               <a:rPr lang="cs-CZ" smtClean="0"/>
-              <a:t>16.10.2022</a:t>
+              <a:t>17.10.2022</a:t>
             </a:fld>
             <a:endParaRPr lang="cs-CZ"/>
           </a:p>
@@ -2791,7 +2791,7 @@
           <a:p>
             <a:fld id="{CCDA23A1-6BD0-48D8-A1FE-BC95074C88FA}" type="datetimeFigureOut">
               <a:rPr lang="cs-CZ" smtClean="0"/>
-              <a:t>16.10.2022</a:t>
+              <a:t>17.10.2022</a:t>
             </a:fld>
             <a:endParaRPr lang="cs-CZ"/>
           </a:p>
@@ -3053,7 +3053,7 @@
           <a:p>
             <a:fld id="{CCDA23A1-6BD0-48D8-A1FE-BC95074C88FA}" type="datetimeFigureOut">
               <a:rPr lang="cs-CZ" smtClean="0"/>
-              <a:t>16.10.2022</a:t>
+              <a:t>17.10.2022</a:t>
             </a:fld>
             <a:endParaRPr lang="cs-CZ"/>
           </a:p>
@@ -3315,7 +3315,7 @@
           <a:p>
             <a:fld id="{CCDA23A1-6BD0-48D8-A1FE-BC95074C88FA}" type="datetimeFigureOut">
               <a:rPr lang="cs-CZ" smtClean="0"/>
-              <a:t>16.10.2022</a:t>
+              <a:t>17.10.2022</a:t>
             </a:fld>
             <a:endParaRPr lang="cs-CZ"/>
           </a:p>
@@ -3644,7 +3644,7 @@
           <a:p>
             <a:fld id="{CCDA23A1-6BD0-48D8-A1FE-BC95074C88FA}" type="datetimeFigureOut">
               <a:rPr lang="cs-CZ" smtClean="0"/>
-              <a:t>16.10.2022</a:t>
+              <a:t>17.10.2022</a:t>
             </a:fld>
             <a:endParaRPr lang="cs-CZ"/>
           </a:p>
@@ -3967,7 +3967,7 @@
           <a:p>
             <a:fld id="{CCDA23A1-6BD0-48D8-A1FE-BC95074C88FA}" type="datetimeFigureOut">
               <a:rPr lang="cs-CZ" smtClean="0"/>
-              <a:t>16.10.2022</a:t>
+              <a:t>17.10.2022</a:t>
             </a:fld>
             <a:endParaRPr lang="cs-CZ"/>
           </a:p>
@@ -4424,7 +4424,7 @@
           <a:p>
             <a:fld id="{CCDA23A1-6BD0-48D8-A1FE-BC95074C88FA}" type="datetimeFigureOut">
               <a:rPr lang="cs-CZ" smtClean="0"/>
-              <a:t>16.10.2022</a:t>
+              <a:t>17.10.2022</a:t>
             </a:fld>
             <a:endParaRPr lang="cs-CZ"/>
           </a:p>
@@ -4629,7 +4629,7 @@
           <a:p>
             <a:fld id="{CCDA23A1-6BD0-48D8-A1FE-BC95074C88FA}" type="datetimeFigureOut">
               <a:rPr lang="cs-CZ" smtClean="0"/>
-              <a:t>16.10.2022</a:t>
+              <a:t>17.10.2022</a:t>
             </a:fld>
             <a:endParaRPr lang="cs-CZ"/>
           </a:p>
@@ -4806,7 +4806,7 @@
           <a:p>
             <a:fld id="{CCDA23A1-6BD0-48D8-A1FE-BC95074C88FA}" type="datetimeFigureOut">
               <a:rPr lang="cs-CZ" smtClean="0"/>
-              <a:t>16.10.2022</a:t>
+              <a:t>17.10.2022</a:t>
             </a:fld>
             <a:endParaRPr lang="cs-CZ"/>
           </a:p>
@@ -5139,7 +5139,7 @@
           <a:p>
             <a:fld id="{CCDA23A1-6BD0-48D8-A1FE-BC95074C88FA}" type="datetimeFigureOut">
               <a:rPr lang="cs-CZ" smtClean="0"/>
-              <a:t>16.10.2022</a:t>
+              <a:t>17.10.2022</a:t>
             </a:fld>
             <a:endParaRPr lang="cs-CZ"/>
           </a:p>
@@ -5484,7 +5484,7 @@
           <a:p>
             <a:fld id="{CCDA23A1-6BD0-48D8-A1FE-BC95074C88FA}" type="datetimeFigureOut">
               <a:rPr lang="cs-CZ" smtClean="0"/>
-              <a:t>16.10.2022</a:t>
+              <a:t>17.10.2022</a:t>
             </a:fld>
             <a:endParaRPr lang="cs-CZ"/>
           </a:p>
@@ -7601,7 +7601,7 @@
           <a:p>
             <a:fld id="{CCDA23A1-6BD0-48D8-A1FE-BC95074C88FA}" type="datetimeFigureOut">
               <a:rPr lang="cs-CZ" smtClean="0"/>
-              <a:t>16.10.2022</a:t>
+              <a:t>17.10.2022</a:t>
             </a:fld>
             <a:endParaRPr lang="cs-CZ"/>
           </a:p>
@@ -8153,7 +8153,7 @@
                 <a16:creationId xmlns:a16="http://schemas.microsoft.com/office/drawing/2014/main" id="{C0782607-67EF-47AC-96DF-A7DE2A282CCB}"/>
               </a:ext>
               <a:ext uri="{C183D7F6-B498-43B3-948B-1728B52AA6E4}">
-                <adec:decorative xmlns:adec="http://schemas.microsoft.com/office/drawing/2017/decorative" val="1"/>
+                <adec:decorative xmlns:adec="http://schemas.microsoft.com/office/drawing/2017/decorative" xmlns="" val="1"/>
               </a:ext>
             </a:extLst>
           </p:cNvPr>
@@ -8312,7 +8312,7 @@
                 <a16:creationId xmlns:a16="http://schemas.microsoft.com/office/drawing/2014/main" id="{65351FED-1024-4E4A-BE3B-371ABFCDF670}"/>
               </a:ext>
               <a:ext uri="{C183D7F6-B498-43B3-948B-1728B52AA6E4}">
-                <adec:decorative xmlns:adec="http://schemas.microsoft.com/office/drawing/2017/decorative" val="1"/>
+                <adec:decorative xmlns:adec="http://schemas.microsoft.com/office/drawing/2017/decorative" xmlns="" val="1"/>
               </a:ext>
             </a:extLst>
           </p:cNvPr>
@@ -8437,7 +8437,7 @@
                 <a16:creationId xmlns:a16="http://schemas.microsoft.com/office/drawing/2014/main" id="{6692CD4C-1BDD-4687-BFFE-33F1462F855E}"/>
               </a:ext>
               <a:ext uri="{C183D7F6-B498-43B3-948B-1728B52AA6E4}">
-                <adec:decorative xmlns:adec="http://schemas.microsoft.com/office/drawing/2017/decorative" val="1"/>
+                <adec:decorative xmlns:adec="http://schemas.microsoft.com/office/drawing/2017/decorative" xmlns="" val="1"/>
               </a:ext>
             </a:extLst>
           </p:cNvPr>
@@ -9004,6 +9004,13 @@
   <p:clrMapOvr>
     <a:masterClrMapping/>
   </p:clrMapOvr>
+  <p:timing>
+    <p:tnLst>
+      <p:par>
+        <p:cTn id="1" dur="indefinite" restart="never" nodeType="tmRoot"/>
+      </p:par>
+    </p:tnLst>
+  </p:timing>
 </p:sld>
 </file>
 
@@ -9132,6 +9139,13 @@
   <p:clrMapOvr>
     <a:masterClrMapping/>
   </p:clrMapOvr>
+  <p:timing>
+    <p:tnLst>
+      <p:par>
+        <p:cTn id="1" dur="indefinite" restart="never" nodeType="tmRoot"/>
+      </p:par>
+    </p:tnLst>
+  </p:timing>
 </p:sld>
 </file>
 
@@ -9305,6 +9319,13 @@
   <p:clrMapOvr>
     <a:masterClrMapping/>
   </p:clrMapOvr>
+  <p:timing>
+    <p:tnLst>
+      <p:par>
+        <p:cTn id="1" dur="indefinite" restart="never" nodeType="tmRoot"/>
+      </p:par>
+    </p:tnLst>
+  </p:timing>
 </p:sld>
 </file>
 
@@ -9462,6 +9483,13 @@
   <p:clrMapOvr>
     <a:masterClrMapping/>
   </p:clrMapOvr>
+  <p:timing>
+    <p:tnLst>
+      <p:par>
+        <p:cTn id="1" dur="indefinite" restart="never" nodeType="tmRoot"/>
+      </p:par>
+    </p:tnLst>
+  </p:timing>
 </p:sld>
 </file>
 
@@ -9629,6 +9657,13 @@
   <p:clrMapOvr>
     <a:masterClrMapping/>
   </p:clrMapOvr>
+  <p:timing>
+    <p:tnLst>
+      <p:par>
+        <p:cTn id="1" dur="indefinite" restart="never" nodeType="tmRoot"/>
+      </p:par>
+    </p:tnLst>
+  </p:timing>
 </p:sld>
 </file>
 
@@ -9767,6 +9802,13 @@
   <p:clrMapOvr>
     <a:masterClrMapping/>
   </p:clrMapOvr>
+  <p:timing>
+    <p:tnLst>
+      <p:par>
+        <p:cTn id="1" dur="indefinite" restart="never" nodeType="tmRoot"/>
+      </p:par>
+    </p:tnLst>
+  </p:timing>
 </p:sld>
 </file>
 
@@ -9909,6 +9951,13 @@
   <p:clrMapOvr>
     <a:masterClrMapping/>
   </p:clrMapOvr>
+  <p:timing>
+    <p:tnLst>
+      <p:par>
+        <p:cTn id="1" dur="indefinite" restart="never" nodeType="tmRoot"/>
+      </p:par>
+    </p:tnLst>
+  </p:timing>
 </p:sld>
 </file>
 
@@ -9990,13 +10039,25 @@
           <a:p>
             <a:r>
               <a:rPr lang="cs-CZ" dirty="0"/>
-              <a:t>Navrhněte vizuál dvou formulářové aplikace pro následující případy</a:t>
-            </a:r>
-          </a:p>
-          <a:p>
+              <a:t>Navrhněte </a:t>
+            </a:r>
+            <a:r>
+              <a:rPr lang="cs-CZ"/>
+              <a:t>vizuál </a:t>
+            </a:r>
+            <a:r>
+              <a:rPr lang="cs-CZ" smtClean="0"/>
+              <a:t>dvou vybraných formulářových aplikací </a:t>
+            </a:r>
+          </a:p>
+          <a:p>
+            <a:r>
+              <a:rPr lang="cs-CZ" smtClean="0"/>
+              <a:t>Okomentovaný </a:t>
+            </a:r>
             <a:r>
               <a:rPr lang="cs-CZ" dirty="0"/>
-              <a:t>Okomentovaný návrh vložte do připravené odevzdávárny na MS Teams</a:t>
+              <a:t>návrh vložte do připravené odevzdávárny na MS Teams</a:t>
             </a:r>
           </a:p>
           <a:p>
@@ -10081,6 +10142,13 @@
   <p:clrMapOvr>
     <a:masterClrMapping/>
   </p:clrMapOvr>
+  <p:timing>
+    <p:tnLst>
+      <p:par>
+        <p:cTn id="1" dur="indefinite" restart="never" nodeType="tmRoot"/>
+      </p:par>
+    </p:tnLst>
+  </p:timing>
 </p:sld>
 </file>
 
